--- a/1_Basics/Julia_intro_Aberdeen_2024.pptx
+++ b/1_Basics/Julia_intro_Aberdeen_2024.pptx
@@ -280,7 +280,7 @@
           <a:p>
             <a:fld id="{AFF69BB9-9384-482D-84B0-29C30389D114}" type="datetimeFigureOut">
               <a:rPr lang="en-US" smtClean="0"/>
-              <a:t>2/18/2024</a:t>
+              <a:t>2/26/2024</a:t>
             </a:fld>
             <a:endParaRPr lang="en-US"/>
           </a:p>
@@ -967,7 +967,7 @@
           <a:p>
             <a:fld id="{6F10A292-C937-4941-BFBF-6FE9C327C80F}" type="datetimeFigureOut">
               <a:rPr lang="en-US" smtClean="0"/>
-              <a:t>2/18/2024</a:t>
+              <a:t>2/26/2024</a:t>
             </a:fld>
             <a:endParaRPr lang="en-US"/>
           </a:p>
@@ -1165,7 +1165,7 @@
           <a:p>
             <a:fld id="{6F10A292-C937-4941-BFBF-6FE9C327C80F}" type="datetimeFigureOut">
               <a:rPr lang="en-US" smtClean="0"/>
-              <a:t>2/18/2024</a:t>
+              <a:t>2/26/2024</a:t>
             </a:fld>
             <a:endParaRPr lang="en-US"/>
           </a:p>
@@ -1373,7 +1373,7 @@
           <a:p>
             <a:fld id="{6F10A292-C937-4941-BFBF-6FE9C327C80F}" type="datetimeFigureOut">
               <a:rPr lang="en-US" smtClean="0"/>
-              <a:t>2/18/2024</a:t>
+              <a:t>2/26/2024</a:t>
             </a:fld>
             <a:endParaRPr lang="en-US"/>
           </a:p>
@@ -1930,7 +1930,7 @@
           <a:p>
             <a:fld id="{6F10A292-C937-4941-BFBF-6FE9C327C80F}" type="datetimeFigureOut">
               <a:rPr lang="en-US" smtClean="0"/>
-              <a:t>2/18/2024</a:t>
+              <a:t>2/26/2024</a:t>
             </a:fld>
             <a:endParaRPr lang="en-US"/>
           </a:p>
@@ -2205,7 +2205,7 @@
           <a:p>
             <a:fld id="{6F10A292-C937-4941-BFBF-6FE9C327C80F}" type="datetimeFigureOut">
               <a:rPr lang="en-US" smtClean="0"/>
-              <a:t>2/18/2024</a:t>
+              <a:t>2/26/2024</a:t>
             </a:fld>
             <a:endParaRPr lang="en-US"/>
           </a:p>
@@ -2470,7 +2470,7 @@
           <a:p>
             <a:fld id="{6F10A292-C937-4941-BFBF-6FE9C327C80F}" type="datetimeFigureOut">
               <a:rPr lang="en-US" smtClean="0"/>
-              <a:t>2/18/2024</a:t>
+              <a:t>2/26/2024</a:t>
             </a:fld>
             <a:endParaRPr lang="en-US"/>
           </a:p>
@@ -2882,7 +2882,7 @@
           <a:p>
             <a:fld id="{6F10A292-C937-4941-BFBF-6FE9C327C80F}" type="datetimeFigureOut">
               <a:rPr lang="en-US" smtClean="0"/>
-              <a:t>2/18/2024</a:t>
+              <a:t>2/26/2024</a:t>
             </a:fld>
             <a:endParaRPr lang="en-US"/>
           </a:p>
@@ -3023,7 +3023,7 @@
           <a:p>
             <a:fld id="{6F10A292-C937-4941-BFBF-6FE9C327C80F}" type="datetimeFigureOut">
               <a:rPr lang="en-US" smtClean="0"/>
-              <a:t>2/18/2024</a:t>
+              <a:t>2/26/2024</a:t>
             </a:fld>
             <a:endParaRPr lang="en-US"/>
           </a:p>
@@ -3136,7 +3136,7 @@
           <a:p>
             <a:fld id="{6F10A292-C937-4941-BFBF-6FE9C327C80F}" type="datetimeFigureOut">
               <a:rPr lang="en-US" smtClean="0"/>
-              <a:t>2/18/2024</a:t>
+              <a:t>2/26/2024</a:t>
             </a:fld>
             <a:endParaRPr lang="en-US"/>
           </a:p>
@@ -3447,7 +3447,7 @@
           <a:p>
             <a:fld id="{6F10A292-C937-4941-BFBF-6FE9C327C80F}" type="datetimeFigureOut">
               <a:rPr lang="en-US" smtClean="0"/>
-              <a:t>2/18/2024</a:t>
+              <a:t>2/26/2024</a:t>
             </a:fld>
             <a:endParaRPr lang="en-US"/>
           </a:p>
@@ -3735,7 +3735,7 @@
           <a:p>
             <a:fld id="{6F10A292-C937-4941-BFBF-6FE9C327C80F}" type="datetimeFigureOut">
               <a:rPr lang="en-US" smtClean="0"/>
-              <a:t>2/18/2024</a:t>
+              <a:t>2/26/2024</a:t>
             </a:fld>
             <a:endParaRPr lang="en-US"/>
           </a:p>
@@ -3976,7 +3976,7 @@
           <a:p>
             <a:fld id="{6F10A292-C937-4941-BFBF-6FE9C327C80F}" type="datetimeFigureOut">
               <a:rPr lang="en-US" smtClean="0"/>
-              <a:t>2/18/2024</a:t>
+              <a:t>2/26/2024</a:t>
             </a:fld>
             <a:endParaRPr lang="en-US"/>
           </a:p>
@@ -7203,7 +7203,7 @@
         <p:spPr>
           <a:xfrm>
             <a:off x="150040" y="3123766"/>
-            <a:ext cx="6131807" cy="1569660"/>
+            <a:ext cx="5791970" cy="1569660"/>
           </a:xfrm>
           <a:prstGeom prst="rect">
             <a:avLst/>
@@ -7234,7 +7234,7 @@
               <a:rPr lang="en-US" sz="2400" dirty="0">
                 <a:latin typeface="Consolas" panose="020B0609020204030204" pitchFamily="49" charset="0"/>
               </a:rPr>
-              <a:t>("") # default in-built</a:t>
+              <a:t>() # default in-built</a:t>
             </a:r>
           </a:p>
           <a:p>
